--- a/outfile.pptx
+++ b/outfile.pptx
@@ -5,7 +5,7 @@
     <p:sldMasterId id="2147483648" r:id="rId1"/>
   </p:sldMasterIdLst>
   <p:notesMasterIdLst>
-    <p:notesMasterId r:id="rId11"/>
+    <p:notesMasterId r:id="rId12"/>
   </p:notesMasterIdLst>
   <p:sldIdLst>
     <p:sldId id="256" r:id="rId2"/>
@@ -17,6 +17,7 @@
     <p:sldId id="262" r:id="rId8"/>
     <p:sldId id="263" r:id="rId9"/>
     <p:sldId id="264" r:id="rId10"/>
+    <p:sldId id="265" r:id="rId11"/>
   </p:sldIdLst>
   <p:sldSz cx="9144000" cy="5143500" type="screen16x9"/>
   <p:notesSz cx="6858000" cy="9144000"/>
@@ -554,7 +555,7 @@
           <a:p>
             <a:fld id="{18BDFEC3-8487-43E8-A154-7C12CBC1FFF2}" type="slidenum">
               <a:rPr lang="en-US"/>
-              <a:t>3</a:t>
+              <a:t>6</a:t>
             </a:fld>
             <a:endParaRPr lang="en-US"/>
           </a:p>
@@ -3628,7 +3629,7 @@
 </p:sld>
 </file>
 
-<file path=ppt/slides/slide2.xml><?xml version="1.0" encoding="utf-8"?>
+<file path=ppt/slides/slide10.xml><?xml version="1.0" encoding="utf-8"?>
 <p:sld xmlns:a="http://schemas.openxmlformats.org/drawingml/2006/main" xmlns:r="http://schemas.openxmlformats.org/officeDocument/2006/relationships" xmlns:p="http://schemas.openxmlformats.org/presentationml/2006/main">
   <p:cSld>
     <p:spTree>
@@ -3655,12 +3656,7 @@
             <p:ph type="title"/>
           </p:nvPr>
         </p:nvSpPr>
-        <p:spPr>
-          <a:xfrm>
-            <a:off x="722313" y="3305176"/>
-            <a:ext cx="7772400" cy="1021556"/>
-          </a:xfrm>
-        </p:spPr>
+        <p:spPr/>
         <p:txBody>
           <a:bodyPr/>
           <a:lstStyle/>
@@ -3670,508 +3666,7 @@
             </a:pPr>
             <a:r>
               <a:rPr/>
-              <a:t>せくしょん１</a:t>
-            </a:r>
-          </a:p>
-        </p:txBody>
-      </p:sp>
-    </p:spTree>
-  </p:cSld>
-</p:sld>
-</file>
-
-<file path=ppt/slides/slide3.xml><?xml version="1.0" encoding="utf-8"?>
-<p:sld xmlns:a="http://schemas.openxmlformats.org/drawingml/2006/main" xmlns:r="http://schemas.openxmlformats.org/officeDocument/2006/relationships" xmlns:p="http://schemas.openxmlformats.org/presentationml/2006/main">
-  <p:cSld>
-    <p:spTree>
-      <p:nvGrpSpPr>
-        <p:cNvPr id="1" name=""/>
-        <p:cNvGrpSpPr/>
-        <p:nvPr/>
-      </p:nvGrpSpPr>
-      <p:grpSpPr>
-        <a:xfrm>
-          <a:off x="0" y="0"/>
-          <a:ext cx="0" cy="0"/>
-          <a:chOff x="0" y="0"/>
-          <a:chExt cx="0" cy="0"/>
-        </a:xfrm>
-      </p:grpSpPr>
-      <p:sp>
-        <p:nvSpPr>
-          <p:cNvPr id="2" name="Title 1"/>
-          <p:cNvSpPr>
-            <a:spLocks noGrp="1"/>
-          </p:cNvSpPr>
-          <p:nvPr>
-            <p:ph type="title"/>
-          </p:nvPr>
-        </p:nvSpPr>
-        <p:spPr/>
-        <p:txBody>
-          <a:bodyPr/>
-          <a:lstStyle/>
-          <a:p>
-            <a:pPr lvl="0" indent="0" marL="0">
-              <a:buNone/>
-            </a:pPr>
-            <a:r>
-              <a:rPr/>
-              <a:t>い</a:t>
-            </a:r>
-          </a:p>
-        </p:txBody>
-      </p:sp>
-      <p:sp>
-        <p:nvSpPr>
-          <p:cNvPr id="3" name="Content Placeholder 2"/>
-          <p:cNvSpPr>
-            <a:spLocks noGrp="1"/>
-          </p:cNvSpPr>
-          <p:nvPr>
-            <p:ph idx="1"/>
-          </p:nvPr>
-        </p:nvSpPr>
-        <p:spPr/>
-        <p:txBody>
-          <a:bodyPr/>
-          <a:lstStyle/>
-          <a:p>
-            <a:pPr lvl="0" indent="0" marL="0">
-              <a:buNone/>
-            </a:pPr>
-            <a:r>
-              <a:rPr/>
-              <a:t>う</a:t>
-            </a:r>
-          </a:p>
-        </p:txBody>
-      </p:sp>
-    </p:spTree>
-  </p:cSld>
-</p:sld>
-</file>
-
-<file path=ppt/slides/slide4.xml><?xml version="1.0" encoding="utf-8"?>
-<p:sld xmlns:a="http://schemas.openxmlformats.org/drawingml/2006/main" xmlns:r="http://schemas.openxmlformats.org/officeDocument/2006/relationships" xmlns:p="http://schemas.openxmlformats.org/presentationml/2006/main">
-  <p:cSld>
-    <p:spTree>
-      <p:nvGrpSpPr>
-        <p:cNvPr id="1" name=""/>
-        <p:cNvGrpSpPr/>
-        <p:nvPr/>
-      </p:nvGrpSpPr>
-      <p:grpSpPr>
-        <a:xfrm>
-          <a:off x="0" y="0"/>
-          <a:ext cx="0" cy="0"/>
-          <a:chOff x="0" y="0"/>
-          <a:chExt cx="0" cy="0"/>
-        </a:xfrm>
-      </p:grpSpPr>
-      <p:sp>
-        <p:nvSpPr>
-          <p:cNvPr id="2" name="Title 1"/>
-          <p:cNvSpPr>
-            <a:spLocks noGrp="1"/>
-          </p:cNvSpPr>
-          <p:nvPr>
-            <p:ph type="title"/>
-          </p:nvPr>
-        </p:nvSpPr>
-        <p:spPr/>
-        <p:txBody>
-          <a:bodyPr/>
-          <a:lstStyle/>
-          <a:p>
-            <a:pPr lvl="0" indent="0" marL="0">
-              <a:buNone/>
-            </a:pPr>
-            <a:r>
-              <a:rPr/>
-              <a:t>え</a:t>
-            </a:r>
-          </a:p>
-        </p:txBody>
-      </p:sp>
-      <p:sp>
-        <p:nvSpPr>
-          <p:cNvPr id="3" name="Content Placeholder 2"/>
-          <p:cNvSpPr>
-            <a:spLocks noGrp="1"/>
-          </p:cNvSpPr>
-          <p:nvPr>
-            <p:ph idx="1"/>
-          </p:nvPr>
-        </p:nvSpPr>
-        <p:spPr/>
-        <p:txBody>
-          <a:bodyPr/>
-          <a:lstStyle/>
-          <a:p>
-            <a:pPr lvl="0" indent="-342900" marL="342900">
-              <a:buAutoNum type="arabicPeriod"/>
-            </a:pPr>
-            <a:r>
-              <a:rPr/>
-              <a:t>お</a:t>
-            </a:r>
-          </a:p>
-          <a:p>
-            <a:pPr lvl="1"/>
-            <a:r>
-              <a:rPr/>
-              <a:t>えっくす</a:t>
-            </a:r>
-          </a:p>
-          <a:p>
-            <a:pPr lvl="1"/>
-            <a:r>
-              <a:rPr/>
-              <a:t>わい</a:t>
-            </a:r>
-          </a:p>
-          <a:p>
-            <a:pPr lvl="1"/>
-            <a:r>
-              <a:rPr/>
-              <a:t>ぜっと</a:t>
-            </a:r>
-          </a:p>
-          <a:p>
-            <a:pPr lvl="0" indent="-342900" marL="342900">
-              <a:buAutoNum type="arabicPeriod"/>
-            </a:pPr>
-            <a:r>
-              <a:rPr/>
-              <a:t>か</a:t>
-            </a:r>
-          </a:p>
-          <a:p>
-            <a:pPr lvl="0" indent="0" marL="1270000">
-              <a:buNone/>
-            </a:pPr>
-            <a:r>
-              <a:rPr sz="2000"/>
-              <a:t>くおーと</a:t>
-            </a:r>
-          </a:p>
-        </p:txBody>
-      </p:sp>
-    </p:spTree>
-  </p:cSld>
-</p:sld>
-</file>
-
-<file path=ppt/slides/slide5.xml><?xml version="1.0" encoding="utf-8"?>
-<p:sld xmlns:a="http://schemas.openxmlformats.org/drawingml/2006/main" xmlns:r="http://schemas.openxmlformats.org/officeDocument/2006/relationships" xmlns:p="http://schemas.openxmlformats.org/presentationml/2006/main">
-  <p:cSld>
-    <p:spTree>
-      <p:nvGrpSpPr>
-        <p:cNvPr id="1" name=""/>
-        <p:cNvGrpSpPr/>
-        <p:nvPr/>
-      </p:nvGrpSpPr>
-      <p:grpSpPr>
-        <a:xfrm>
-          <a:off x="0" y="0"/>
-          <a:ext cx="0" cy="0"/>
-          <a:chOff x="0" y="0"/>
-          <a:chExt cx="0" cy="0"/>
-        </a:xfrm>
-      </p:grpSpPr>
-      <p:sp>
-        <p:nvSpPr>
-          <p:cNvPr id="2" name="Title 1"/>
-          <p:cNvSpPr>
-            <a:spLocks noGrp="1"/>
-          </p:cNvSpPr>
-          <p:nvPr>
-            <p:ph type="title"/>
-          </p:nvPr>
-        </p:nvSpPr>
-        <p:spPr>
-          <a:xfrm>
-            <a:off x="722313" y="3305176"/>
-            <a:ext cx="7772400" cy="1021556"/>
-          </a:xfrm>
-        </p:spPr>
-        <p:txBody>
-          <a:bodyPr/>
-          <a:lstStyle/>
-          <a:p>
-            <a:pPr lvl="0" indent="0" marL="0">
-              <a:buNone/>
-            </a:pPr>
-            <a:r>
-              <a:rPr/>
-              <a:t>せくしょん２</a:t>
-            </a:r>
-          </a:p>
-        </p:txBody>
-      </p:sp>
-    </p:spTree>
-  </p:cSld>
-</p:sld>
-</file>
-
-<file path=ppt/slides/slide6.xml><?xml version="1.0" encoding="utf-8"?>
-<p:sld xmlns:a="http://schemas.openxmlformats.org/drawingml/2006/main" xmlns:r="http://schemas.openxmlformats.org/officeDocument/2006/relationships" xmlns:p="http://schemas.openxmlformats.org/presentationml/2006/main">
-  <p:cSld>
-    <p:spTree>
-      <p:nvGrpSpPr>
-        <p:cNvPr id="1" name=""/>
-        <p:cNvGrpSpPr/>
-        <p:nvPr/>
-      </p:nvGrpSpPr>
-      <p:grpSpPr>
-        <a:xfrm>
-          <a:off x="0" y="0"/>
-          <a:ext cx="0" cy="0"/>
-          <a:chOff x="0" y="0"/>
-          <a:chExt cx="0" cy="0"/>
-        </a:xfrm>
-      </p:grpSpPr>
-      <p:sp>
-        <p:nvSpPr>
-          <p:cNvPr id="2" name="Title 1"/>
-          <p:cNvSpPr>
-            <a:spLocks noGrp="1"/>
-          </p:cNvSpPr>
-          <p:nvPr>
-            <p:ph type="title"/>
-          </p:nvPr>
-        </p:nvSpPr>
-        <p:spPr/>
-        <p:txBody>
-          <a:bodyPr/>
-          <a:lstStyle/>
-          <a:p>
-            <a:pPr lvl="0" indent="0" marL="0">
-              <a:buNone/>
-            </a:pPr>
-            <a:r>
-              <a:rPr/>
-              <a:t>き</a:t>
-            </a:r>
-          </a:p>
-        </p:txBody>
-      </p:sp>
-      <p:sp>
-        <p:nvSpPr>
-          <p:cNvPr id="3" name="Content Placeholder 2"/>
-          <p:cNvSpPr>
-            <a:spLocks noGrp="1"/>
-          </p:cNvSpPr>
-          <p:nvPr>
-            <p:ph idx="1"/>
-          </p:nvPr>
-        </p:nvSpPr>
-        <p:spPr/>
-        <p:txBody>
-          <a:bodyPr/>
-          <a:lstStyle/>
-          <a:p>
-            <a:pPr lvl="0" indent="0" marL="0">
-              <a:spcBef>
-                <a:spcPts val="3000"/>
-              </a:spcBef>
-              <a:buNone/>
-            </a:pPr>
-            <a:r>
-              <a:rPr b="1"/>
-              <a:t>く</a:t>
-            </a:r>
-          </a:p>
-          <a:p>
-            <a:pPr lvl="0" indent="0" marL="0">
-              <a:buNone/>
-            </a:pPr>
-            <a:r>
-              <a:rPr/>
-              <a:t>け</a:t>
-            </a:r>
-          </a:p>
-          <a:p>
-            <a:pPr lvl="0" indent="0" marL="0">
-              <a:spcBef>
-                <a:spcPts val="3000"/>
-              </a:spcBef>
-              <a:buNone/>
-            </a:pPr>
-            <a:r>
-              <a:rPr b="1"/>
-              <a:t>こ</a:t>
-            </a:r>
-          </a:p>
-          <a:p>
-            <a:pPr lvl="0" indent="0" marL="0">
-              <a:buNone/>
-            </a:pPr>
-            <a:r>
-              <a:rPr/>
-              <a:t>さ</a:t>
-            </a:r>
-          </a:p>
-        </p:txBody>
-      </p:sp>
-    </p:spTree>
-  </p:cSld>
-</p:sld>
-</file>
-
-<file path=ppt/slides/slide7.xml><?xml version="1.0" encoding="utf-8"?>
-<p:sld xmlns:a="http://schemas.openxmlformats.org/drawingml/2006/main" xmlns:r="http://schemas.openxmlformats.org/officeDocument/2006/relationships" xmlns:p="http://schemas.openxmlformats.org/presentationml/2006/main">
-  <p:cSld>
-    <p:spTree>
-      <p:nvGrpSpPr>
-        <p:cNvPr id="1" name=""/>
-        <p:cNvGrpSpPr/>
-        <p:nvPr/>
-      </p:nvGrpSpPr>
-      <p:grpSpPr>
-        <a:xfrm>
-          <a:off x="0" y="0"/>
-          <a:ext cx="0" cy="0"/>
-          <a:chOff x="0" y="0"/>
-          <a:chExt cx="0" cy="0"/>
-        </a:xfrm>
-      </p:grpSpPr>
-      <p:sp>
-        <p:nvSpPr>
-          <p:cNvPr id="2" name="Title 1"/>
-          <p:cNvSpPr>
-            <a:spLocks noGrp="1"/>
-          </p:cNvSpPr>
-          <p:nvPr>
-            <p:ph type="title"/>
-          </p:nvPr>
-        </p:nvSpPr>
-        <p:spPr/>
-        <p:txBody>
-          <a:bodyPr/>
-          <a:lstStyle/>
-          <a:p>
-            <a:pPr lvl="0" indent="0" marL="0">
-              <a:buNone/>
-            </a:pPr>
-            <a:r>
-              <a:rPr/>
-              <a:t>し</a:t>
-            </a:r>
-          </a:p>
-        </p:txBody>
-      </p:sp>
-      <p:sp>
-        <p:nvSpPr>
-          <p:cNvPr id="3" name="Content Placeholder 2"/>
-          <p:cNvSpPr>
-            <a:spLocks noGrp="1"/>
-          </p:cNvSpPr>
-          <p:nvPr>
-            <p:ph idx="1"/>
-          </p:nvPr>
-        </p:nvSpPr>
-        <p:spPr/>
-        <p:txBody>
-          <a:bodyPr/>
-          <a:lstStyle/>
-          <a:p>
-            <a:pPr lvl="0" indent="0" marL="0">
-              <a:buNone/>
-            </a:pPr>
-            <a:r>
-              <a:rPr/>
-              <a:t>コード例</a:t>
-            </a:r>
-          </a:p>
-          <a:p>
-            <a:pPr lvl="0" indent="0">
-              <a:buNone/>
-            </a:pPr>
-            <a:r>
-              <a:rPr b="1">
-                <a:solidFill>
-                  <a:srgbClr val="007020"/>
-                </a:solidFill>
-                <a:latin typeface="Courier"/>
-              </a:rPr>
-              <a:t>def</a:t>
-            </a:r>
-            <a:r>
-              <a:rPr>
-                <a:latin typeface="Courier"/>
-              </a:rPr>
-              <a:t> x():</a:t>
-            </a:r>
-            <a:br/>
-            <a:r>
-              <a:rPr>
-                <a:latin typeface="Courier"/>
-              </a:rPr>
-              <a:t>    </a:t>
-            </a:r>
-            <a:r>
-              <a:rPr b="1">
-                <a:solidFill>
-                  <a:srgbClr val="007020"/>
-                </a:solidFill>
-                <a:latin typeface="Courier"/>
-              </a:rPr>
-              <a:t>return</a:t>
-            </a:r>
-            <a:r>
-              <a:rPr>
-                <a:latin typeface="Courier"/>
-              </a:rPr>
-              <a:t> true</a:t>
-            </a:r>
-          </a:p>
-        </p:txBody>
-      </p:sp>
-    </p:spTree>
-  </p:cSld>
-</p:sld>
-</file>
-
-<file path=ppt/slides/slide8.xml><?xml version="1.0" encoding="utf-8"?>
-<p:sld xmlns:a="http://schemas.openxmlformats.org/drawingml/2006/main" xmlns:r="http://schemas.openxmlformats.org/officeDocument/2006/relationships" xmlns:p="http://schemas.openxmlformats.org/presentationml/2006/main">
-  <p:cSld>
-    <p:spTree>
-      <p:nvGrpSpPr>
-        <p:cNvPr id="1" name=""/>
-        <p:cNvGrpSpPr/>
-        <p:nvPr/>
-      </p:nvGrpSpPr>
-      <p:grpSpPr>
-        <a:xfrm>
-          <a:off x="0" y="0"/>
-          <a:ext cx="0" cy="0"/>
-          <a:chOff x="0" y="0"/>
-          <a:chExt cx="0" cy="0"/>
-        </a:xfrm>
-      </p:grpSpPr>
-      <p:sp>
-        <p:nvSpPr>
-          <p:cNvPr id="2" name="Title 1"/>
-          <p:cNvSpPr>
-            <a:spLocks noGrp="1"/>
-          </p:cNvSpPr>
-          <p:nvPr>
-            <p:ph type="title"/>
-          </p:nvPr>
-        </p:nvSpPr>
-        <p:spPr/>
-        <p:txBody>
-          <a:bodyPr/>
-          <a:lstStyle/>
-          <a:p>
-            <a:pPr lvl="0" indent="0" marL="0">
-              <a:buNone/>
-            </a:pPr>
-            <a:r>
-              <a:rPr/>
-              <a:t>す</a:t>
+              <a:t>たれそ</a:t>
             </a:r>
           </a:p>
         </p:txBody>
@@ -4448,6 +3943,507 @@
 </p:sld>
 </file>
 
+<file path=ppt/slides/slide2.xml><?xml version="1.0" encoding="utf-8"?>
+<p:sld xmlns:a="http://schemas.openxmlformats.org/drawingml/2006/main" xmlns:r="http://schemas.openxmlformats.org/officeDocument/2006/relationships" xmlns:p="http://schemas.openxmlformats.org/presentationml/2006/main">
+  <p:cSld>
+    <p:spTree>
+      <p:nvGrpSpPr>
+        <p:cNvPr id="1" name=""/>
+        <p:cNvGrpSpPr/>
+        <p:nvPr/>
+      </p:nvGrpSpPr>
+      <p:grpSpPr>
+        <a:xfrm>
+          <a:off x="0" y="0"/>
+          <a:ext cx="0" cy="0"/>
+          <a:chOff x="0" y="0"/>
+          <a:chExt cx="0" cy="0"/>
+        </a:xfrm>
+      </p:grpSpPr>
+      <p:sp>
+        <p:nvSpPr>
+          <p:cNvPr id="2" name="Title 1"/>
+          <p:cNvSpPr>
+            <a:spLocks noGrp="1"/>
+          </p:cNvSpPr>
+          <p:nvPr>
+            <p:ph type="title"/>
+          </p:nvPr>
+        </p:nvSpPr>
+        <p:spPr>
+          <a:xfrm>
+            <a:off x="722313" y="3305176"/>
+            <a:ext cx="7772400" cy="1021556"/>
+          </a:xfrm>
+        </p:spPr>
+        <p:txBody>
+          <a:bodyPr/>
+          <a:lstStyle/>
+          <a:p>
+            <a:pPr lvl="0" indent="0" marL="0">
+              <a:buNone/>
+            </a:pPr>
+            <a:r>
+              <a:rPr/>
+              <a:t>pandocjp</a:t>
+            </a:r>
+          </a:p>
+        </p:txBody>
+      </p:sp>
+    </p:spTree>
+  </p:cSld>
+</p:sld>
+</file>
+
+<file path=ppt/slides/slide3.xml><?xml version="1.0" encoding="utf-8"?>
+<p:sld xmlns:a="http://schemas.openxmlformats.org/drawingml/2006/main" xmlns:r="http://schemas.openxmlformats.org/officeDocument/2006/relationships" xmlns:p="http://schemas.openxmlformats.org/presentationml/2006/main">
+  <p:cSld>
+    <p:spTree>
+      <p:nvGrpSpPr>
+        <p:cNvPr id="1" name=""/>
+        <p:cNvGrpSpPr/>
+        <p:nvPr/>
+      </p:nvGrpSpPr>
+      <p:grpSpPr>
+        <a:xfrm>
+          <a:off x="0" y="0"/>
+          <a:ext cx="0" cy="0"/>
+          <a:chOff x="0" y="0"/>
+          <a:chExt cx="0" cy="0"/>
+        </a:xfrm>
+      </p:grpSpPr>
+      <p:sp>
+        <p:nvSpPr>
+          <p:cNvPr id="2" name="Title 1"/>
+          <p:cNvSpPr>
+            <a:spLocks noGrp="1"/>
+          </p:cNvSpPr>
+          <p:nvPr>
+            <p:ph type="title"/>
+          </p:nvPr>
+        </p:nvSpPr>
+        <p:spPr/>
+        <p:txBody>
+          <a:bodyPr/>
+          <a:lstStyle/>
+          <a:p>
+            <a:pPr lvl="0" indent="0" marL="0">
+              <a:buNone/>
+            </a:pPr>
+            <a:r>
+              <a:rPr/>
+              <a:t>これはなに</a:t>
+            </a:r>
+          </a:p>
+        </p:txBody>
+      </p:sp>
+      <p:sp>
+        <p:nvSpPr>
+          <p:cNvPr id="3" name="Content Placeholder 2"/>
+          <p:cNvSpPr>
+            <a:spLocks noGrp="1"/>
+          </p:cNvSpPr>
+          <p:nvPr>
+            <p:ph idx="1"/>
+          </p:nvPr>
+        </p:nvSpPr>
+        <p:spPr/>
+        <p:txBody>
+          <a:bodyPr/>
+          <a:lstStyle/>
+          <a:p>
+            <a:pPr lvl="0"/>
+            <a:r>
+              <a:rPr/>
+              <a:t>pandoc で ただちに日本語を扱える コンテナイメージ をつくりました</a:t>
+            </a:r>
+          </a:p>
+          <a:p>
+            <a:pPr lvl="0"/>
+            <a:r>
+              <a:rPr/>
+              <a:t>自分で開発したものは微塵もないので 詳細は pandoc 公式の collection-langjapanese や luatexja で調べてください</a:t>
+            </a:r>
+          </a:p>
+        </p:txBody>
+      </p:sp>
+    </p:spTree>
+  </p:cSld>
+</p:sld>
+</file>
+
+<file path=ppt/slides/slide4.xml><?xml version="1.0" encoding="utf-8"?>
+<p:sld xmlns:a="http://schemas.openxmlformats.org/drawingml/2006/main" xmlns:r="http://schemas.openxmlformats.org/officeDocument/2006/relationships" xmlns:p="http://schemas.openxmlformats.org/presentationml/2006/main">
+  <p:cSld>
+    <p:spTree>
+      <p:nvGrpSpPr>
+        <p:cNvPr id="1" name=""/>
+        <p:cNvGrpSpPr/>
+        <p:nvPr/>
+      </p:nvGrpSpPr>
+      <p:grpSpPr>
+        <a:xfrm>
+          <a:off x="0" y="0"/>
+          <a:ext cx="0" cy="0"/>
+          <a:chOff x="0" y="0"/>
+          <a:chExt cx="0" cy="0"/>
+        </a:xfrm>
+      </p:grpSpPr>
+      <p:sp>
+        <p:nvSpPr>
+          <p:cNvPr id="2" name="Title 1"/>
+          <p:cNvSpPr>
+            <a:spLocks noGrp="1"/>
+          </p:cNvSpPr>
+          <p:nvPr>
+            <p:ph type="title"/>
+          </p:nvPr>
+        </p:nvSpPr>
+        <p:spPr/>
+        <p:txBody>
+          <a:bodyPr/>
+          <a:lstStyle/>
+          <a:p>
+            <a:pPr lvl="0" indent="0" marL="0">
+              <a:buNone/>
+            </a:pPr>
+            <a:r>
+              <a:rPr/>
+              <a:t>最小限の動作手順</a:t>
+            </a:r>
+          </a:p>
+        </p:txBody>
+      </p:sp>
+      <p:sp>
+        <p:nvSpPr>
+          <p:cNvPr id="3" name="Content Placeholder 2"/>
+          <p:cNvSpPr>
+            <a:spLocks noGrp="1"/>
+          </p:cNvSpPr>
+          <p:nvPr>
+            <p:ph idx="1"/>
+          </p:nvPr>
+        </p:nvSpPr>
+        <p:spPr/>
+        <p:txBody>
+          <a:bodyPr/>
+          <a:lstStyle/>
+          <a:p>
+            <a:pPr lvl="0" indent="-342900" marL="342900">
+              <a:buAutoNum type="arabicPeriod"/>
+            </a:pPr>
+            <a:r>
+              <a:rPr>
+                <a:latin typeface="Courier"/>
+              </a:rPr>
+              <a:t>. alias_pandoc.sh</a:t>
+            </a:r>
+          </a:p>
+          <a:p>
+            <a:pPr lvl="0" indent="-342900" marL="342900">
+              <a:buAutoNum type="arabicPeriod"/>
+            </a:pPr>
+            <a:r>
+              <a:rPr>
+                <a:latin typeface="Courier"/>
+              </a:rPr>
+              <a:t>pandoc -d config.yaml</a:t>
+            </a:r>
+          </a:p>
+        </p:txBody>
+      </p:sp>
+    </p:spTree>
+  </p:cSld>
+</p:sld>
+</file>
+
+<file path=ppt/slides/slide5.xml><?xml version="1.0" encoding="utf-8"?>
+<p:sld xmlns:a="http://schemas.openxmlformats.org/drawingml/2006/main" xmlns:r="http://schemas.openxmlformats.org/officeDocument/2006/relationships" xmlns:p="http://schemas.openxmlformats.org/presentationml/2006/main">
+  <p:cSld>
+    <p:spTree>
+      <p:nvGrpSpPr>
+        <p:cNvPr id="1" name=""/>
+        <p:cNvGrpSpPr/>
+        <p:nvPr/>
+      </p:nvGrpSpPr>
+      <p:grpSpPr>
+        <a:xfrm>
+          <a:off x="0" y="0"/>
+          <a:ext cx="0" cy="0"/>
+          <a:chOff x="0" y="0"/>
+          <a:chExt cx="0" cy="0"/>
+        </a:xfrm>
+      </p:grpSpPr>
+      <p:sp>
+        <p:nvSpPr>
+          <p:cNvPr id="2" name="Title 1"/>
+          <p:cNvSpPr>
+            <a:spLocks noGrp="1"/>
+          </p:cNvSpPr>
+          <p:nvPr>
+            <p:ph type="title"/>
+          </p:nvPr>
+        </p:nvSpPr>
+        <p:spPr>
+          <a:xfrm>
+            <a:off x="722313" y="3305176"/>
+            <a:ext cx="7772400" cy="1021556"/>
+          </a:xfrm>
+        </p:spPr>
+        <p:txBody>
+          <a:bodyPr/>
+          <a:lstStyle/>
+          <a:p>
+            <a:pPr lvl="0" indent="0" marL="0">
+              <a:buNone/>
+            </a:pPr>
+            <a:r>
+              <a:rPr/>
+              <a:t>以降はサンプル</a:t>
+            </a:r>
+          </a:p>
+        </p:txBody>
+      </p:sp>
+    </p:spTree>
+  </p:cSld>
+</p:sld>
+</file>
+
+<file path=ppt/slides/slide6.xml><?xml version="1.0" encoding="utf-8"?>
+<p:sld xmlns:a="http://schemas.openxmlformats.org/drawingml/2006/main" xmlns:r="http://schemas.openxmlformats.org/officeDocument/2006/relationships" xmlns:p="http://schemas.openxmlformats.org/presentationml/2006/main">
+  <p:cSld>
+    <p:spTree>
+      <p:nvGrpSpPr>
+        <p:cNvPr id="1" name=""/>
+        <p:cNvGrpSpPr/>
+        <p:nvPr/>
+      </p:nvGrpSpPr>
+      <p:grpSpPr>
+        <a:xfrm>
+          <a:off x="0" y="0"/>
+          <a:ext cx="0" cy="0"/>
+          <a:chOff x="0" y="0"/>
+          <a:chExt cx="0" cy="0"/>
+        </a:xfrm>
+      </p:grpSpPr>
+      <p:sp>
+        <p:nvSpPr>
+          <p:cNvPr id="2" name="Title 1"/>
+          <p:cNvSpPr>
+            <a:spLocks noGrp="1"/>
+          </p:cNvSpPr>
+          <p:nvPr>
+            <p:ph type="title"/>
+          </p:nvPr>
+        </p:nvSpPr>
+        <p:spPr/>
+        <p:txBody>
+          <a:bodyPr/>
+          <a:lstStyle/>
+          <a:p>
+            <a:pPr lvl="0" indent="0" marL="0">
+              <a:buNone/>
+            </a:pPr>
+            <a:r>
+              <a:rPr/>
+              <a:t>いろは</a:t>
+            </a:r>
+          </a:p>
+        </p:txBody>
+      </p:sp>
+      <p:sp>
+        <p:nvSpPr>
+          <p:cNvPr id="3" name="Content Placeholder 2"/>
+          <p:cNvSpPr>
+            <a:spLocks noGrp="1"/>
+          </p:cNvSpPr>
+          <p:nvPr>
+            <p:ph idx="1"/>
+          </p:nvPr>
+        </p:nvSpPr>
+        <p:spPr/>
+        <p:txBody>
+          <a:bodyPr/>
+          <a:lstStyle/>
+          <a:p>
+            <a:pPr lvl="0" indent="0" marL="0">
+              <a:buNone/>
+            </a:pPr>
+            <a:r>
+              <a:rPr/>
+              <a:t>こんてんつ</a:t>
+            </a:r>
+          </a:p>
+        </p:txBody>
+      </p:sp>
+    </p:spTree>
+  </p:cSld>
+</p:sld>
+</file>
+
+<file path=ppt/slides/slide7.xml><?xml version="1.0" encoding="utf-8"?>
+<p:sld xmlns:a="http://schemas.openxmlformats.org/drawingml/2006/main" xmlns:r="http://schemas.openxmlformats.org/officeDocument/2006/relationships" xmlns:p="http://schemas.openxmlformats.org/presentationml/2006/main">
+  <p:cSld>
+    <p:spTree>
+      <p:nvGrpSpPr>
+        <p:cNvPr id="1" name=""/>
+        <p:cNvGrpSpPr/>
+        <p:nvPr/>
+      </p:nvGrpSpPr>
+      <p:grpSpPr>
+        <a:xfrm>
+          <a:off x="0" y="0"/>
+          <a:ext cx="0" cy="0"/>
+          <a:chOff x="0" y="0"/>
+          <a:chExt cx="0" cy="0"/>
+        </a:xfrm>
+      </p:grpSpPr>
+      <p:sp>
+        <p:nvSpPr>
+          <p:cNvPr id="2" name="Title 1"/>
+          <p:cNvSpPr>
+            <a:spLocks noGrp="1"/>
+          </p:cNvSpPr>
+          <p:nvPr>
+            <p:ph type="title"/>
+          </p:nvPr>
+        </p:nvSpPr>
+        <p:spPr/>
+        <p:txBody>
+          <a:bodyPr/>
+          <a:lstStyle/>
+          <a:p>
+            <a:pPr lvl="0" indent="0" marL="0">
+              <a:buNone/>
+            </a:pPr>
+            <a:r>
+              <a:rPr/>
+              <a:t>にほへ</a:t>
+            </a:r>
+          </a:p>
+        </p:txBody>
+      </p:sp>
+      <p:sp>
+        <p:nvSpPr>
+          <p:cNvPr id="3" name="Content Placeholder 2"/>
+          <p:cNvSpPr>
+            <a:spLocks noGrp="1"/>
+          </p:cNvSpPr>
+          <p:nvPr>
+            <p:ph idx="1"/>
+          </p:nvPr>
+        </p:nvSpPr>
+        <p:spPr/>
+        <p:txBody>
+          <a:bodyPr/>
+          <a:lstStyle/>
+          <a:p>
+            <a:pPr lvl="0" indent="-342900" marL="342900">
+              <a:buAutoNum type="arabicPeriod"/>
+            </a:pPr>
+            <a:r>
+              <a:rPr/>
+              <a:t>あるふぁ</a:t>
+            </a:r>
+          </a:p>
+          <a:p>
+            <a:pPr lvl="1"/>
+            <a:r>
+              <a:rPr/>
+              <a:t>えっくす</a:t>
+            </a:r>
+          </a:p>
+          <a:p>
+            <a:pPr lvl="1"/>
+            <a:r>
+              <a:rPr/>
+              <a:t>わい</a:t>
+            </a:r>
+          </a:p>
+          <a:p>
+            <a:pPr lvl="1"/>
+            <a:r>
+              <a:rPr/>
+              <a:t>ぜっと</a:t>
+            </a:r>
+          </a:p>
+          <a:p>
+            <a:pPr lvl="0" indent="-342900" marL="342900">
+              <a:buAutoNum type="arabicPeriod"/>
+            </a:pPr>
+            <a:r>
+              <a:rPr/>
+              <a:t>おめが</a:t>
+            </a:r>
+          </a:p>
+          <a:p>
+            <a:pPr lvl="0" indent="0" marL="1270000">
+              <a:buNone/>
+            </a:pPr>
+            <a:r>
+              <a:rPr sz="2000"/>
+              <a:t>くおーと</a:t>
+            </a:r>
+          </a:p>
+        </p:txBody>
+      </p:sp>
+    </p:spTree>
+  </p:cSld>
+</p:sld>
+</file>
+
+<file path=ppt/slides/slide8.xml><?xml version="1.0" encoding="utf-8"?>
+<p:sld xmlns:a="http://schemas.openxmlformats.org/drawingml/2006/main" xmlns:r="http://schemas.openxmlformats.org/officeDocument/2006/relationships" xmlns:p="http://schemas.openxmlformats.org/presentationml/2006/main">
+  <p:cSld>
+    <p:spTree>
+      <p:nvGrpSpPr>
+        <p:cNvPr id="1" name=""/>
+        <p:cNvGrpSpPr/>
+        <p:nvPr/>
+      </p:nvGrpSpPr>
+      <p:grpSpPr>
+        <a:xfrm>
+          <a:off x="0" y="0"/>
+          <a:ext cx="0" cy="0"/>
+          <a:chOff x="0" y="0"/>
+          <a:chExt cx="0" cy="0"/>
+        </a:xfrm>
+      </p:grpSpPr>
+      <p:sp>
+        <p:nvSpPr>
+          <p:cNvPr id="2" name="Title 1"/>
+          <p:cNvSpPr>
+            <a:spLocks noGrp="1"/>
+          </p:cNvSpPr>
+          <p:nvPr>
+            <p:ph type="title"/>
+          </p:nvPr>
+        </p:nvSpPr>
+        <p:spPr>
+          <a:xfrm>
+            <a:off x="722313" y="3305176"/>
+            <a:ext cx="7772400" cy="1021556"/>
+          </a:xfrm>
+        </p:spPr>
+        <p:txBody>
+          <a:bodyPr/>
+          <a:lstStyle/>
+          <a:p>
+            <a:pPr lvl="0" indent="0" marL="0">
+              <a:buNone/>
+            </a:pPr>
+            <a:r>
+              <a:rPr/>
+              <a:t>せくしょん２</a:t>
+            </a:r>
+          </a:p>
+        </p:txBody>
+      </p:sp>
+    </p:spTree>
+  </p:cSld>
+</p:sld>
+</file>
+
 <file path=ppt/slides/slide9.xml><?xml version="1.0" encoding="utf-8"?>
 <p:sld xmlns:a="http://schemas.openxmlformats.org/drawingml/2006/main" xmlns:r="http://schemas.openxmlformats.org/officeDocument/2006/relationships" xmlns:p="http://schemas.openxmlformats.org/presentationml/2006/main">
   <p:cSld>
@@ -4485,7 +4481,7 @@
             </a:pPr>
             <a:r>
               <a:rPr/>
-              <a:t>せ</a:t>
+              <a:t>とちり</a:t>
             </a:r>
           </a:p>
         </p:txBody>
@@ -4506,11 +4502,86 @@
           <a:lstStyle/>
           <a:p>
             <a:pPr lvl="0" indent="0" marL="0">
+              <a:spcBef>
+                <a:spcPts val="3000"/>
+              </a:spcBef>
               <a:buNone/>
             </a:pPr>
             <a:r>
+              <a:rPr b="1"/>
+              <a:t>ぬるを</a:t>
+            </a:r>
+          </a:p>
+          <a:p>
+            <a:pPr lvl="0" indent="0" marL="0">
+              <a:buNone/>
+            </a:pPr>
+            <a:r>
               <a:rPr/>
-              <a:t>くまのラジオパーソナリティ＠いらすとや くまのラジオパーソナリティ＠いらすとや</a:t>
+              <a:t>小見出しのサンプル</a:t>
+            </a:r>
+          </a:p>
+          <a:p>
+            <a:pPr lvl="0" indent="0" marL="0">
+              <a:spcBef>
+                <a:spcPts val="3000"/>
+              </a:spcBef>
+              <a:buNone/>
+            </a:pPr>
+            <a:r>
+              <a:rPr b="1"/>
+              <a:t>わかよ</a:t>
+            </a:r>
+          </a:p>
+          <a:p>
+            <a:pPr lvl="0" indent="0" marL="0">
+              <a:buNone/>
+            </a:pPr>
+            <a:r>
+              <a:rPr/>
+              <a:t>コード例</a:t>
+            </a:r>
+          </a:p>
+          <a:p>
+            <a:pPr lvl="0" indent="0">
+              <a:buNone/>
+            </a:pPr>
+            <a:r>
+              <a:rPr b="1">
+                <a:solidFill>
+                  <a:srgbClr val="007020"/>
+                </a:solidFill>
+                <a:latin typeface="Courier"/>
+              </a:rPr>
+              <a:t>def</a:t>
+            </a:r>
+            <a:r>
+              <a:rPr>
+                <a:latin typeface="Courier"/>
+              </a:rPr>
+              <a:t> x():</a:t>
+            </a:r>
+            <a:br/>
+            <a:r>
+              <a:rPr>
+                <a:latin typeface="Courier"/>
+              </a:rPr>
+              <a:t>    </a:t>
+            </a:r>
+            <a:r>
+              <a:rPr b="1">
+                <a:solidFill>
+                  <a:srgbClr val="007020"/>
+                </a:solidFill>
+                <a:latin typeface="Courier"/>
+              </a:rPr>
+              <a:t>return</a:t>
+            </a:r>
+            <a:r>
+              <a:rPr>
+                <a:latin typeface="Courier"/>
+              </a:rPr>
+              <a:t> true</a:t>
             </a:r>
           </a:p>
         </p:txBody>
